--- a/Code Management.pptx
+++ b/Code Management.pptx
@@ -757,7 +757,7 @@
           </a:bodyPr>
           <a:lstStyle/>
           <a:p>
-            <a:pPr indent="0" lvl="0" marL="0">
+            <a:pPr indent="0" lvl="0" marL="0" rtl="0" algn="l">
               <a:spcBef>
                 <a:spcPts val="0"/>
               </a:spcBef>
@@ -856,7 +856,7 @@
           </a:bodyPr>
           <a:lstStyle/>
           <a:p>
-            <a:pPr indent="0" lvl="0" marL="0" rtl="0">
+            <a:pPr indent="0" lvl="0" marL="0" rtl="0" algn="l">
               <a:spcBef>
                 <a:spcPts val="0"/>
               </a:spcBef>
@@ -955,7 +955,7 @@
           </a:bodyPr>
           <a:lstStyle/>
           <a:p>
-            <a:pPr indent="0" lvl="0" marL="0">
+            <a:pPr indent="0" lvl="0" marL="0" rtl="0" algn="l">
               <a:spcBef>
                 <a:spcPts val="0"/>
               </a:spcBef>
@@ -1054,7 +1054,7 @@
           </a:bodyPr>
           <a:lstStyle/>
           <a:p>
-            <a:pPr indent="0" lvl="0" marL="0">
+            <a:pPr indent="0" lvl="0" marL="0" rtl="0" algn="l">
               <a:spcBef>
                 <a:spcPts val="0"/>
               </a:spcBef>
@@ -1153,7 +1153,7 @@
           </a:bodyPr>
           <a:lstStyle/>
           <a:p>
-            <a:pPr indent="0" lvl="0" marL="0">
+            <a:pPr indent="0" lvl="0" marL="0" rtl="0" algn="l">
               <a:spcBef>
                 <a:spcPts val="0"/>
               </a:spcBef>
@@ -1252,7 +1252,7 @@
           </a:bodyPr>
           <a:lstStyle/>
           <a:p>
-            <a:pPr indent="0" lvl="0" marL="0">
+            <a:pPr indent="0" lvl="0" marL="0" rtl="0" algn="l">
               <a:spcBef>
                 <a:spcPts val="0"/>
               </a:spcBef>
@@ -1351,7 +1351,7 @@
           </a:bodyPr>
           <a:lstStyle/>
           <a:p>
-            <a:pPr indent="0" lvl="0" marL="0">
+            <a:pPr indent="0" lvl="0" marL="0" rtl="0" algn="l">
               <a:spcBef>
                 <a:spcPts val="0"/>
               </a:spcBef>
@@ -1450,7 +1450,7 @@
           </a:bodyPr>
           <a:lstStyle/>
           <a:p>
-            <a:pPr indent="0" lvl="0" marL="0">
+            <a:pPr indent="0" lvl="0" marL="0" rtl="0" algn="l">
               <a:spcBef>
                 <a:spcPts val="0"/>
               </a:spcBef>
@@ -1549,7 +1549,7 @@
           </a:bodyPr>
           <a:lstStyle/>
           <a:p>
-            <a:pPr indent="0" lvl="0" marL="0" rtl="0">
+            <a:pPr indent="0" lvl="0" marL="0" rtl="0" algn="l">
               <a:spcBef>
                 <a:spcPts val="0"/>
               </a:spcBef>
@@ -1648,7 +1648,7 @@
           </a:bodyPr>
           <a:lstStyle/>
           <a:p>
-            <a:pPr indent="0" lvl="0" marL="0" rtl="0">
+            <a:pPr indent="0" lvl="0" marL="0" rtl="0" algn="l">
               <a:spcBef>
                 <a:spcPts val="0"/>
               </a:spcBef>
@@ -1747,7 +1747,7 @@
           </a:bodyPr>
           <a:lstStyle/>
           <a:p>
-            <a:pPr indent="0" lvl="0" marL="0" rtl="0">
+            <a:pPr indent="0" lvl="0" marL="0" rtl="0" algn="l">
               <a:spcBef>
                 <a:spcPts val="0"/>
               </a:spcBef>
@@ -1846,7 +1846,7 @@
           </a:bodyPr>
           <a:lstStyle/>
           <a:p>
-            <a:pPr indent="0" lvl="0" marL="0" rtl="0">
+            <a:pPr indent="0" lvl="0" marL="0" rtl="0" algn="l">
               <a:spcBef>
                 <a:spcPts val="0"/>
               </a:spcBef>
@@ -1945,7 +1945,7 @@
           </a:bodyPr>
           <a:lstStyle/>
           <a:p>
-            <a:pPr indent="0" lvl="0" marL="0">
+            <a:pPr indent="0" lvl="0" marL="0" rtl="0" algn="l">
               <a:spcBef>
                 <a:spcPts val="0"/>
               </a:spcBef>
@@ -2044,7 +2044,7 @@
           </a:bodyPr>
           <a:lstStyle/>
           <a:p>
-            <a:pPr indent="0" lvl="0" marL="0">
+            <a:pPr indent="0" lvl="0" marL="0" rtl="0" algn="l">
               <a:spcBef>
                 <a:spcPts val="0"/>
               </a:spcBef>
@@ -2143,7 +2143,7 @@
           </a:bodyPr>
           <a:lstStyle/>
           <a:p>
-            <a:pPr indent="0" lvl="0" marL="0" rtl="0">
+            <a:pPr indent="0" lvl="0" marL="0" rtl="0" algn="l">
               <a:spcBef>
                 <a:spcPts val="0"/>
               </a:spcBef>
@@ -2517,7 +2517,7 @@
             </a:lvl9pPr>
           </a:lstStyle>
           <a:p>
-            <a:pPr indent="0" lvl="0" marL="0">
+            <a:pPr indent="0" lvl="0" marL="0" rtl="0" algn="r">
               <a:spcBef>
                 <a:spcPts val="0"/>
               </a:spcBef>
@@ -2869,7 +2869,7 @@
             </a:lvl9pPr>
           </a:lstStyle>
           <a:p>
-            <a:pPr indent="0" lvl="0" marL="0">
+            <a:pPr indent="0" lvl="0" marL="0" rtl="0" algn="r">
               <a:spcBef>
                 <a:spcPts val="0"/>
               </a:spcBef>
@@ -2971,7 +2971,7 @@
             </a:lvl9pPr>
           </a:lstStyle>
           <a:p>
-            <a:pPr indent="0" lvl="0" marL="0">
+            <a:pPr indent="0" lvl="0" marL="0" rtl="0" algn="r">
               <a:spcBef>
                 <a:spcPts val="0"/>
               </a:spcBef>
@@ -3196,7 +3196,7 @@
             </a:lvl9pPr>
           </a:lstStyle>
           <a:p>
-            <a:pPr indent="0" lvl="0" marL="0">
+            <a:pPr indent="0" lvl="0" marL="0" rtl="0" algn="r">
               <a:spcBef>
                 <a:spcPts val="0"/>
               </a:spcBef>
@@ -3544,7 +3544,7 @@
             </a:lvl9pPr>
           </a:lstStyle>
           <a:p>
-            <a:pPr indent="0" lvl="0" marL="0">
+            <a:pPr indent="0" lvl="0" marL="0" rtl="0" algn="r">
               <a:spcBef>
                 <a:spcPts val="0"/>
               </a:spcBef>
@@ -4015,7 +4015,7 @@
             </a:lvl9pPr>
           </a:lstStyle>
           <a:p>
-            <a:pPr indent="0" lvl="0" marL="0">
+            <a:pPr indent="0" lvl="0" marL="0" rtl="0" algn="r">
               <a:spcBef>
                 <a:spcPts val="0"/>
               </a:spcBef>
@@ -4240,7 +4240,7 @@
             </a:lvl9pPr>
           </a:lstStyle>
           <a:p>
-            <a:pPr indent="0" lvl="0" marL="0">
+            <a:pPr indent="0" lvl="0" marL="0" rtl="0" algn="r">
               <a:spcBef>
                 <a:spcPts val="0"/>
               </a:spcBef>
@@ -4588,7 +4588,7 @@
             </a:lvl9pPr>
           </a:lstStyle>
           <a:p>
-            <a:pPr indent="0" lvl="0" marL="0">
+            <a:pPr indent="0" lvl="0" marL="0" rtl="0" algn="r">
               <a:spcBef>
                 <a:spcPts val="0"/>
               </a:spcBef>
@@ -4813,7 +4813,7 @@
             </a:lvl9pPr>
           </a:lstStyle>
           <a:p>
-            <a:pPr indent="0" lvl="0" marL="0">
+            <a:pPr indent="0" lvl="0" marL="0" rtl="0" algn="r">
               <a:spcBef>
                 <a:spcPts val="0"/>
               </a:spcBef>
@@ -4882,7 +4882,7 @@
           </a:bodyPr>
           <a:lstStyle/>
           <a:p>
-            <a:pPr indent="0" lvl="0" marL="0">
+            <a:pPr indent="0" lvl="0" marL="0" rtl="0" algn="l">
               <a:spcBef>
                 <a:spcPts val="0"/>
               </a:spcBef>
@@ -5354,7 +5354,7 @@
             </a:lvl9pPr>
           </a:lstStyle>
           <a:p>
-            <a:pPr indent="0" lvl="0" marL="0">
+            <a:pPr indent="0" lvl="0" marL="0" rtl="0" algn="r">
               <a:spcBef>
                 <a:spcPts val="0"/>
               </a:spcBef>
@@ -5494,7 +5494,7 @@
             </a:lvl9pPr>
           </a:lstStyle>
           <a:p>
-            <a:pPr indent="0" lvl="0" marL="0">
+            <a:pPr indent="0" lvl="0" marL="0" rtl="0" algn="r">
               <a:spcBef>
                 <a:spcPts val="0"/>
               </a:spcBef>
@@ -6050,7 +6050,7 @@
             </a:lvl9pPr>
           </a:lstStyle>
           <a:p>
-            <a:pPr indent="0" lvl="0" marL="0">
+            <a:pPr indent="0" lvl="0" marL="0" rtl="0" algn="r">
               <a:spcBef>
                 <a:spcPts val="0"/>
               </a:spcBef>
@@ -6816,7 +6816,7 @@
           </a:bodyPr>
           <a:lstStyle/>
           <a:p>
-            <a:pPr indent="0" lvl="0" marL="0">
+            <a:pPr indent="0" lvl="0" marL="0" rtl="0" algn="ctr">
               <a:spcBef>
                 <a:spcPts val="0"/>
               </a:spcBef>
@@ -6856,7 +6856,7 @@
           </a:bodyPr>
           <a:lstStyle/>
           <a:p>
-            <a:pPr indent="0" lvl="0" marL="0" rtl="0">
+            <a:pPr indent="0" lvl="0" marL="0" rtl="0" algn="ctr">
               <a:spcBef>
                 <a:spcPts val="0"/>
               </a:spcBef>
@@ -6921,7 +6921,7 @@
           </a:bodyPr>
           <a:lstStyle/>
           <a:p>
-            <a:pPr indent="0" lvl="0" marL="0" rtl="0">
+            <a:pPr indent="0" lvl="0" marL="0" rtl="0" algn="l">
               <a:spcBef>
                 <a:spcPts val="0"/>
               </a:spcBef>
@@ -7060,7 +7060,7 @@
           </a:bodyPr>
           <a:lstStyle/>
           <a:p>
-            <a:pPr indent="0" lvl="0" marL="0">
+            <a:pPr indent="0" lvl="0" marL="0" rtl="0" algn="l">
               <a:spcBef>
                 <a:spcPts val="0"/>
               </a:spcBef>
@@ -7107,7 +7107,7 @@
           </a:bodyPr>
           <a:lstStyle/>
           <a:p>
-            <a:pPr indent="0" lvl="0" marL="0">
+            <a:pPr indent="0" lvl="0" marL="0" rtl="0" algn="l">
               <a:spcBef>
                 <a:spcPts val="0"/>
               </a:spcBef>
@@ -7171,7 +7171,7 @@
           </a:bodyPr>
           <a:lstStyle/>
           <a:p>
-            <a:pPr indent="0" lvl="0" marL="0">
+            <a:pPr indent="0" lvl="0" marL="0" rtl="0" algn="l">
               <a:spcBef>
                 <a:spcPts val="0"/>
               </a:spcBef>
@@ -7211,7 +7211,7 @@
           </a:bodyPr>
           <a:lstStyle/>
           <a:p>
-            <a:pPr indent="-342900" lvl="0" marL="457200" rtl="0">
+            <a:pPr indent="-342900" lvl="0" marL="457200" rtl="0" algn="l">
               <a:spcBef>
                 <a:spcPts val="0"/>
               </a:spcBef>
@@ -7237,7 +7237,7 @@
             <a:endParaRPr/>
           </a:p>
           <a:p>
-            <a:pPr indent="-342900" lvl="0" marL="457200" rtl="0">
+            <a:pPr indent="-342900" lvl="0" marL="457200" rtl="0" algn="l">
               <a:spcBef>
                 <a:spcPts val="0"/>
               </a:spcBef>
@@ -7259,7 +7259,7 @@
             <a:endParaRPr/>
           </a:p>
           <a:p>
-            <a:pPr indent="-342900" lvl="0" marL="457200" rtl="0">
+            <a:pPr indent="-342900" lvl="0" marL="457200" rtl="0" algn="l">
               <a:spcBef>
                 <a:spcPts val="0"/>
               </a:spcBef>
@@ -7281,7 +7281,7 @@
             <a:endParaRPr/>
           </a:p>
           <a:p>
-            <a:pPr indent="-342900" lvl="0" marL="457200" rtl="0">
+            <a:pPr indent="-342900" lvl="0" marL="457200" rtl="0" algn="l">
               <a:spcBef>
                 <a:spcPts val="0"/>
               </a:spcBef>
@@ -7303,7 +7303,7 @@
             <a:endParaRPr/>
           </a:p>
           <a:p>
-            <a:pPr indent="-342900" lvl="0" marL="457200">
+            <a:pPr indent="-342900" lvl="0" marL="457200" rtl="0" algn="l">
               <a:spcBef>
                 <a:spcPts val="0"/>
               </a:spcBef>
@@ -7374,7 +7374,7 @@
           </a:bodyPr>
           <a:lstStyle/>
           <a:p>
-            <a:pPr indent="0" lvl="0" marL="0">
+            <a:pPr indent="0" lvl="0" marL="0" rtl="0" algn="l">
               <a:spcBef>
                 <a:spcPts val="0"/>
               </a:spcBef>
@@ -7414,7 +7414,7 @@
           </a:bodyPr>
           <a:lstStyle/>
           <a:p>
-            <a:pPr indent="-342900" lvl="0" marL="457200" rtl="0">
+            <a:pPr indent="-342900" lvl="0" marL="457200" rtl="0" algn="l">
               <a:spcBef>
                 <a:spcPts val="0"/>
               </a:spcBef>
@@ -7431,7 +7431,7 @@
             <a:endParaRPr/>
           </a:p>
           <a:p>
-            <a:pPr indent="-342900" lvl="0" marL="457200" rtl="0">
+            <a:pPr indent="-342900" lvl="0" marL="457200" rtl="0" algn="l">
               <a:spcBef>
                 <a:spcPts val="0"/>
               </a:spcBef>
@@ -7448,7 +7448,7 @@
             <a:endParaRPr/>
           </a:p>
           <a:p>
-            <a:pPr indent="-342900" lvl="0" marL="457200" rtl="0">
+            <a:pPr indent="-342900" lvl="0" marL="457200" rtl="0" algn="l">
               <a:spcBef>
                 <a:spcPts val="0"/>
               </a:spcBef>
@@ -7465,7 +7465,7 @@
             <a:endParaRPr/>
           </a:p>
           <a:p>
-            <a:pPr indent="-342900" lvl="0" marL="457200" rtl="0">
+            <a:pPr indent="-342900" lvl="0" marL="457200" rtl="0" algn="l">
               <a:spcBef>
                 <a:spcPts val="0"/>
               </a:spcBef>
@@ -7482,7 +7482,7 @@
             <a:endParaRPr/>
           </a:p>
           <a:p>
-            <a:pPr indent="-342900" lvl="0" marL="457200" rtl="0">
+            <a:pPr indent="-342900" lvl="0" marL="457200" rtl="0" algn="l">
               <a:spcBef>
                 <a:spcPts val="0"/>
               </a:spcBef>
@@ -7499,7 +7499,7 @@
             <a:endParaRPr/>
           </a:p>
           <a:p>
-            <a:pPr indent="-342900" lvl="0" marL="457200" rtl="0">
+            <a:pPr indent="-342900" lvl="0" marL="457200" rtl="0" algn="l">
               <a:spcBef>
                 <a:spcPts val="0"/>
               </a:spcBef>
@@ -7516,7 +7516,7 @@
             <a:endParaRPr/>
           </a:p>
           <a:p>
-            <a:pPr indent="0" lvl="0" marL="0" rtl="0">
+            <a:pPr indent="0" lvl="0" marL="0" rtl="0" algn="l">
               <a:spcBef>
                 <a:spcPts val="1600"/>
               </a:spcBef>
@@ -7581,7 +7581,7 @@
           </a:bodyPr>
           <a:lstStyle/>
           <a:p>
-            <a:pPr indent="0" lvl="0" marL="0">
+            <a:pPr indent="0" lvl="0" marL="0" rtl="0" algn="l">
               <a:spcBef>
                 <a:spcPts val="0"/>
               </a:spcBef>
@@ -7651,7 +7651,7 @@
           </a:bodyPr>
           <a:lstStyle/>
           <a:p>
-            <a:pPr indent="0" lvl="0" marL="0">
+            <a:pPr indent="0" lvl="0" marL="0" rtl="0" algn="ctr">
               <a:spcBef>
                 <a:spcPts val="0"/>
               </a:spcBef>
@@ -7716,7 +7716,7 @@
           </a:bodyPr>
           <a:lstStyle/>
           <a:p>
-            <a:pPr indent="0" lvl="0" marL="0">
+            <a:pPr indent="0" lvl="0" marL="0" rtl="0" algn="l">
               <a:spcBef>
                 <a:spcPts val="0"/>
               </a:spcBef>
@@ -7732,7 +7732,7 @@
             <a:endParaRPr/>
           </a:p>
           <a:p>
-            <a:pPr indent="0" lvl="0" marL="0">
+            <a:pPr indent="0" lvl="0" marL="0" rtl="0" algn="l">
               <a:spcBef>
                 <a:spcPts val="0"/>
               </a:spcBef>
@@ -7772,7 +7772,7 @@
           </a:bodyPr>
           <a:lstStyle/>
           <a:p>
-            <a:pPr indent="0" lvl="0" marL="0" rtl="0">
+            <a:pPr indent="0" lvl="0" marL="0" rtl="0" algn="l">
               <a:spcBef>
                 <a:spcPts val="0"/>
               </a:spcBef>
@@ -7869,7 +7869,7 @@
           </a:bodyPr>
           <a:lstStyle/>
           <a:p>
-            <a:pPr indent="0" lvl="0" marL="0" rtl="0">
+            <a:pPr indent="0" lvl="0" marL="0" rtl="0" algn="l">
               <a:spcBef>
                 <a:spcPts val="0"/>
               </a:spcBef>
@@ -7885,7 +7885,7 @@
             <a:endParaRPr/>
           </a:p>
           <a:p>
-            <a:pPr indent="0" lvl="0" marL="0" rtl="0">
+            <a:pPr indent="0" lvl="0" marL="0" rtl="0" algn="l">
               <a:spcBef>
                 <a:spcPts val="0"/>
               </a:spcBef>
@@ -7925,7 +7925,7 @@
           </a:bodyPr>
           <a:lstStyle/>
           <a:p>
-            <a:pPr indent="0" lvl="0" marL="0" rtl="0">
+            <a:pPr indent="0" lvl="0" marL="0" rtl="0" algn="l">
               <a:spcBef>
                 <a:spcPts val="0"/>
               </a:spcBef>
@@ -8025,7 +8025,7 @@
           </a:bodyPr>
           <a:lstStyle/>
           <a:p>
-            <a:pPr indent="0" lvl="0" marL="0" rtl="0">
+            <a:pPr indent="0" lvl="0" marL="0" rtl="0" algn="l">
               <a:spcBef>
                 <a:spcPts val="0"/>
               </a:spcBef>
@@ -8041,7 +8041,7 @@
             <a:endParaRPr/>
           </a:p>
           <a:p>
-            <a:pPr indent="0" lvl="0" marL="0" rtl="0">
+            <a:pPr indent="0" lvl="0" marL="0" rtl="0" algn="l">
               <a:spcBef>
                 <a:spcPts val="0"/>
               </a:spcBef>
@@ -8081,7 +8081,7 @@
           </a:bodyPr>
           <a:lstStyle/>
           <a:p>
-            <a:pPr indent="0" lvl="0" marL="0" rtl="0">
+            <a:pPr indent="0" lvl="0" marL="0" rtl="0" algn="l">
               <a:spcBef>
                 <a:spcPts val="0"/>
               </a:spcBef>
@@ -8182,7 +8182,7 @@
           </a:bodyPr>
           <a:lstStyle/>
           <a:p>
-            <a:pPr indent="0" lvl="0" marL="0" rtl="0">
+            <a:pPr indent="0" lvl="0" marL="0" rtl="0" algn="l">
               <a:spcBef>
                 <a:spcPts val="0"/>
               </a:spcBef>
@@ -8198,7 +8198,7 @@
             <a:endParaRPr/>
           </a:p>
           <a:p>
-            <a:pPr indent="0" lvl="0" marL="0" rtl="0">
+            <a:pPr indent="0" lvl="0" marL="0" rtl="0" algn="l">
               <a:spcBef>
                 <a:spcPts val="0"/>
               </a:spcBef>
@@ -8238,7 +8238,7 @@
           </a:bodyPr>
           <a:lstStyle/>
           <a:p>
-            <a:pPr indent="0" lvl="0" marL="0" rtl="0">
+            <a:pPr indent="0" lvl="0" marL="0" rtl="0" algn="l">
               <a:spcBef>
                 <a:spcPts val="0"/>
               </a:spcBef>
@@ -8346,7 +8346,7 @@
           </a:bodyPr>
           <a:lstStyle/>
           <a:p>
-            <a:pPr indent="0" lvl="0" marL="0" rtl="0">
+            <a:pPr indent="0" lvl="0" marL="0" rtl="0" algn="l">
               <a:spcBef>
                 <a:spcPts val="0"/>
               </a:spcBef>
@@ -8362,7 +8362,7 @@
             <a:endParaRPr/>
           </a:p>
           <a:p>
-            <a:pPr indent="0" lvl="0" marL="0" rtl="0">
+            <a:pPr indent="0" lvl="0" marL="0" rtl="0" algn="l">
               <a:spcBef>
                 <a:spcPts val="0"/>
               </a:spcBef>
@@ -8402,7 +8402,7 @@
           </a:bodyPr>
           <a:lstStyle/>
           <a:p>
-            <a:pPr indent="0" lvl="0" marL="0" rtl="0">
+            <a:pPr indent="0" lvl="0" marL="0" rtl="0" algn="l">
               <a:spcBef>
                 <a:spcPts val="0"/>
               </a:spcBef>
@@ -8540,7 +8540,7 @@
           </a:bodyPr>
           <a:lstStyle/>
           <a:p>
-            <a:pPr indent="0" lvl="0" marL="0">
+            <a:pPr indent="0" lvl="0" marL="0" rtl="0" algn="l">
               <a:spcBef>
                 <a:spcPts val="0"/>
               </a:spcBef>
@@ -8613,7 +8613,7 @@
           </a:bodyPr>
           <a:lstStyle/>
           <a:p>
-            <a:pPr indent="0" lvl="0" marL="0">
+            <a:pPr indent="0" lvl="0" marL="0" rtl="0" algn="l">
               <a:spcBef>
                 <a:spcPts val="0"/>
               </a:spcBef>
@@ -8706,7 +8706,7 @@
           </a:bodyPr>
           <a:lstStyle/>
           <a:p>
-            <a:pPr indent="0" lvl="0" marL="0" rtl="0">
+            <a:pPr indent="0" lvl="0" marL="0" rtl="0" algn="l">
               <a:spcBef>
                 <a:spcPts val="0"/>
               </a:spcBef>
@@ -8776,7 +8776,7 @@
           </a:bodyPr>
           <a:lstStyle/>
           <a:p>
-            <a:pPr indent="0" lvl="0" marL="0" algn="ctr">
+            <a:pPr indent="0" lvl="0" marL="0" rtl="0" algn="ctr">
               <a:spcBef>
                 <a:spcPts val="0"/>
               </a:spcBef>
